--- a/docs/static/design.pptx
+++ b/docs/static/design.pptx
@@ -6,6 +6,7 @@
   </p:sldMasterIdLst>
   <p:sldIdLst>
     <p:sldId id="257" r:id="rId2"/>
+    <p:sldId id="258" r:id="rId3"/>
   </p:sldIdLst>
   <p:sldSz cx="12192000" cy="6858000"/>
   <p:notesSz cx="6858000" cy="9144000"/>
@@ -3367,12 +3368,14 @@
               </a:ext>
             </a:extLst>
           </p:cNvPr>
-          <p:cNvGrpSpPr/>
+          <p:cNvGrpSpPr>
+            <a:grpSpLocks noChangeAspect="1"/>
+          </p:cNvGrpSpPr>
           <p:nvPr/>
         </p:nvGrpSpPr>
         <p:grpSpPr>
           <a:xfrm>
-            <a:off x="4191000" y="2084614"/>
+            <a:off x="647700" y="293914"/>
             <a:ext cx="3810000" cy="2324101"/>
             <a:chOff x="4191000" y="1905000"/>
             <a:chExt cx="3810000" cy="3809999"/>
@@ -3849,10 +3852,1208 @@
           </p:txBody>
         </p:sp>
       </p:grpSp>
+      <p:sp>
+        <p:nvSpPr>
+          <p:cNvPr id="2" name="Oval 1">
+            <a:extLst>
+              <a:ext uri="{FF2B5EF4-FFF2-40B4-BE49-F238E27FC236}">
+                <a16:creationId xmlns:a16="http://schemas.microsoft.com/office/drawing/2014/main" id="{343BA391-70D3-4FAB-ADCE-DFF01D593189}"/>
+              </a:ext>
+            </a:extLst>
+          </p:cNvPr>
+          <p:cNvSpPr/>
+          <p:nvPr/>
+        </p:nvSpPr>
+        <p:spPr>
+          <a:xfrm>
+            <a:off x="6416170" y="429986"/>
+            <a:ext cx="3550664" cy="3550664"/>
+          </a:xfrm>
+          <a:prstGeom prst="ellipse">
+            <a:avLst/>
+          </a:prstGeom>
+          <a:solidFill>
+            <a:schemeClr val="bg1">
+              <a:lumMod val="95000"/>
+            </a:schemeClr>
+          </a:solidFill>
+          <a:ln>
+            <a:noFill/>
+          </a:ln>
+        </p:spPr>
+        <p:style>
+          <a:lnRef idx="2">
+            <a:schemeClr val="accent1">
+              <a:shade val="50000"/>
+            </a:schemeClr>
+          </a:lnRef>
+          <a:fillRef idx="1">
+            <a:schemeClr val="accent1"/>
+          </a:fillRef>
+          <a:effectRef idx="0">
+            <a:schemeClr val="accent1"/>
+          </a:effectRef>
+          <a:fontRef idx="minor">
+            <a:schemeClr val="lt1"/>
+          </a:fontRef>
+        </p:style>
+        <p:txBody>
+          <a:bodyPr rtlCol="0" anchor="ctr"/>
+          <a:lstStyle/>
+          <a:p>
+            <a:pPr algn="ctr"/>
+            <a:endParaRPr lang="zh-TW" altLang="en-US"/>
+          </a:p>
+        </p:txBody>
+      </p:sp>
+      <p:grpSp>
+        <p:nvGrpSpPr>
+          <p:cNvPr id="18" name="Group 17">
+            <a:extLst>
+              <a:ext uri="{FF2B5EF4-FFF2-40B4-BE49-F238E27FC236}">
+                <a16:creationId xmlns:a16="http://schemas.microsoft.com/office/drawing/2014/main" id="{B1B2979C-42CF-4D53-BBBF-F827531FD43E}"/>
+              </a:ext>
+            </a:extLst>
+          </p:cNvPr>
+          <p:cNvGrpSpPr>
+            <a:grpSpLocks noChangeAspect="1"/>
+          </p:cNvGrpSpPr>
+          <p:nvPr/>
+        </p:nvGrpSpPr>
+        <p:grpSpPr>
+          <a:xfrm>
+            <a:off x="6789967" y="1290211"/>
+            <a:ext cx="2794906" cy="1704893"/>
+            <a:chOff x="4191000" y="1905000"/>
+            <a:chExt cx="3810000" cy="3809999"/>
+          </a:xfrm>
+        </p:grpSpPr>
+        <p:sp>
+          <p:nvSpPr>
+            <p:cNvPr id="19" name="Freeform: Shape 18">
+              <a:extLst>
+                <a:ext uri="{FF2B5EF4-FFF2-40B4-BE49-F238E27FC236}">
+                  <a16:creationId xmlns:a16="http://schemas.microsoft.com/office/drawing/2014/main" id="{587C72D7-0BCD-4E49-9DB7-A0555A89F765}"/>
+                </a:ext>
+              </a:extLst>
+            </p:cNvPr>
+            <p:cNvSpPr/>
+            <p:nvPr/>
+          </p:nvSpPr>
+          <p:spPr>
+            <a:xfrm>
+              <a:off x="6096000" y="1905000"/>
+              <a:ext cx="990600" cy="1981200"/>
+            </a:xfrm>
+            <a:custGeom>
+              <a:avLst/>
+              <a:gdLst>
+                <a:gd name="connsiteX0" fmla="*/ 990600 w 990600"/>
+                <a:gd name="connsiteY0" fmla="*/ 1545336 h 1981200"/>
+                <a:gd name="connsiteX1" fmla="*/ 0 w 990600"/>
+                <a:gd name="connsiteY1" fmla="*/ 1981200 h 1981200"/>
+                <a:gd name="connsiteX2" fmla="*/ 0 w 990600"/>
+                <a:gd name="connsiteY2" fmla="*/ 0 h 1981200"/>
+              </a:gdLst>
+              <a:ahLst/>
+              <a:cxnLst>
+                <a:cxn ang="0">
+                  <a:pos x="connsiteX0" y="connsiteY0"/>
+                </a:cxn>
+                <a:cxn ang="0">
+                  <a:pos x="connsiteX1" y="connsiteY1"/>
+                </a:cxn>
+                <a:cxn ang="0">
+                  <a:pos x="connsiteX2" y="connsiteY2"/>
+                </a:cxn>
+              </a:cxnLst>
+              <a:rect l="l" t="t" r="r" b="b"/>
+              <a:pathLst>
+                <a:path w="990600" h="1981200">
+                  <a:moveTo>
+                    <a:pt x="990600" y="1545336"/>
+                  </a:moveTo>
+                  <a:lnTo>
+                    <a:pt x="0" y="1981200"/>
+                  </a:lnTo>
+                  <a:lnTo>
+                    <a:pt x="0" y="0"/>
+                  </a:lnTo>
+                  <a:close/>
+                </a:path>
+              </a:pathLst>
+            </a:custGeom>
+            <a:solidFill>
+              <a:schemeClr val="accent2">
+                <a:lumMod val="75000"/>
+              </a:schemeClr>
+            </a:solidFill>
+            <a:ln w="76200" cap="flat">
+              <a:noFill/>
+              <a:prstDash val="solid"/>
+              <a:miter/>
+            </a:ln>
+          </p:spPr>
+          <p:txBody>
+            <a:bodyPr rtlCol="0" anchor="ctr"/>
+            <a:lstStyle/>
+            <a:p>
+              <a:endParaRPr lang="zh-TW" altLang="en-US"/>
+            </a:p>
+          </p:txBody>
+        </p:sp>
+        <p:sp>
+          <p:nvSpPr>
+            <p:cNvPr id="20" name="Freeform: Shape 19">
+              <a:extLst>
+                <a:ext uri="{FF2B5EF4-FFF2-40B4-BE49-F238E27FC236}">
+                  <a16:creationId xmlns:a16="http://schemas.microsoft.com/office/drawing/2014/main" id="{86DC76B7-6A50-44A0-B7F4-E339AA70EAE7}"/>
+                </a:ext>
+              </a:extLst>
+            </p:cNvPr>
+            <p:cNvSpPr/>
+            <p:nvPr/>
+          </p:nvSpPr>
+          <p:spPr>
+            <a:xfrm>
+              <a:off x="5105400" y="1905000"/>
+              <a:ext cx="990600" cy="1981200"/>
+            </a:xfrm>
+            <a:custGeom>
+              <a:avLst/>
+              <a:gdLst>
+                <a:gd name="connsiteX0" fmla="*/ 0 w 990600"/>
+                <a:gd name="connsiteY0" fmla="*/ 1545336 h 1981200"/>
+                <a:gd name="connsiteX1" fmla="*/ 990600 w 990600"/>
+                <a:gd name="connsiteY1" fmla="*/ 1981200 h 1981200"/>
+                <a:gd name="connsiteX2" fmla="*/ 990600 w 990600"/>
+                <a:gd name="connsiteY2" fmla="*/ 0 h 1981200"/>
+              </a:gdLst>
+              <a:ahLst/>
+              <a:cxnLst>
+                <a:cxn ang="0">
+                  <a:pos x="connsiteX0" y="connsiteY0"/>
+                </a:cxn>
+                <a:cxn ang="0">
+                  <a:pos x="connsiteX1" y="connsiteY1"/>
+                </a:cxn>
+                <a:cxn ang="0">
+                  <a:pos x="connsiteX2" y="connsiteY2"/>
+                </a:cxn>
+              </a:cxnLst>
+              <a:rect l="l" t="t" r="r" b="b"/>
+              <a:pathLst>
+                <a:path w="990600" h="1981200">
+                  <a:moveTo>
+                    <a:pt x="0" y="1545336"/>
+                  </a:moveTo>
+                  <a:lnTo>
+                    <a:pt x="990600" y="1981200"/>
+                  </a:lnTo>
+                  <a:lnTo>
+                    <a:pt x="990600" y="0"/>
+                  </a:lnTo>
+                  <a:close/>
+                </a:path>
+              </a:pathLst>
+            </a:custGeom>
+            <a:solidFill>
+              <a:schemeClr val="accent3"/>
+            </a:solidFill>
+            <a:ln w="76200" cap="flat">
+              <a:noFill/>
+              <a:prstDash val="solid"/>
+              <a:miter/>
+            </a:ln>
+          </p:spPr>
+          <p:txBody>
+            <a:bodyPr rtlCol="0" anchor="ctr"/>
+            <a:lstStyle/>
+            <a:p>
+              <a:endParaRPr lang="zh-TW" altLang="en-US"/>
+            </a:p>
+          </p:txBody>
+        </p:sp>
+        <p:sp>
+          <p:nvSpPr>
+            <p:cNvPr id="21" name="Freeform: Shape 20">
+              <a:extLst>
+                <a:ext uri="{FF2B5EF4-FFF2-40B4-BE49-F238E27FC236}">
+                  <a16:creationId xmlns:a16="http://schemas.microsoft.com/office/drawing/2014/main" id="{924BEDB7-4CC3-44C7-AF04-F1AFFA3117AC}"/>
+                </a:ext>
+              </a:extLst>
+            </p:cNvPr>
+            <p:cNvSpPr/>
+            <p:nvPr/>
+          </p:nvSpPr>
+          <p:spPr>
+            <a:xfrm>
+              <a:off x="6096000" y="3450335"/>
+              <a:ext cx="1447800" cy="1350264"/>
+            </a:xfrm>
+            <a:custGeom>
+              <a:avLst/>
+              <a:gdLst>
+                <a:gd name="connsiteX0" fmla="*/ 1447800 w 1447800"/>
+                <a:gd name="connsiteY0" fmla="*/ 713232 h 1350264"/>
+                <a:gd name="connsiteX1" fmla="*/ 0 w 1447800"/>
+                <a:gd name="connsiteY1" fmla="*/ 1350264 h 1350264"/>
+                <a:gd name="connsiteX2" fmla="*/ 0 w 1447800"/>
+                <a:gd name="connsiteY2" fmla="*/ 435864 h 1350264"/>
+                <a:gd name="connsiteX3" fmla="*/ 990600 w 1447800"/>
+                <a:gd name="connsiteY3" fmla="*/ 0 h 1350264"/>
+              </a:gdLst>
+              <a:ahLst/>
+              <a:cxnLst>
+                <a:cxn ang="0">
+                  <a:pos x="connsiteX0" y="connsiteY0"/>
+                </a:cxn>
+                <a:cxn ang="0">
+                  <a:pos x="connsiteX1" y="connsiteY1"/>
+                </a:cxn>
+                <a:cxn ang="0">
+                  <a:pos x="connsiteX2" y="connsiteY2"/>
+                </a:cxn>
+                <a:cxn ang="0">
+                  <a:pos x="connsiteX3" y="connsiteY3"/>
+                </a:cxn>
+              </a:cxnLst>
+              <a:rect l="l" t="t" r="r" b="b"/>
+              <a:pathLst>
+                <a:path w="1447800" h="1350264">
+                  <a:moveTo>
+                    <a:pt x="1447800" y="713232"/>
+                  </a:moveTo>
+                  <a:lnTo>
+                    <a:pt x="0" y="1350264"/>
+                  </a:lnTo>
+                  <a:lnTo>
+                    <a:pt x="0" y="435864"/>
+                  </a:lnTo>
+                  <a:lnTo>
+                    <a:pt x="990600" y="0"/>
+                  </a:lnTo>
+                  <a:close/>
+                </a:path>
+              </a:pathLst>
+            </a:custGeom>
+            <a:solidFill>
+              <a:schemeClr val="accent4">
+                <a:lumMod val="75000"/>
+              </a:schemeClr>
+            </a:solidFill>
+            <a:ln w="76200" cap="flat">
+              <a:noFill/>
+              <a:prstDash val="solid"/>
+              <a:miter/>
+            </a:ln>
+          </p:spPr>
+          <p:txBody>
+            <a:bodyPr rtlCol="0" anchor="ctr"/>
+            <a:lstStyle/>
+            <a:p>
+              <a:endParaRPr lang="zh-TW" altLang="en-US"/>
+            </a:p>
+          </p:txBody>
+        </p:sp>
+        <p:sp>
+          <p:nvSpPr>
+            <p:cNvPr id="22" name="Freeform: Shape 21">
+              <a:extLst>
+                <a:ext uri="{FF2B5EF4-FFF2-40B4-BE49-F238E27FC236}">
+                  <a16:creationId xmlns:a16="http://schemas.microsoft.com/office/drawing/2014/main" id="{A6484631-D4CF-42B8-B0CD-275B06BB25C7}"/>
+                </a:ext>
+              </a:extLst>
+            </p:cNvPr>
+            <p:cNvSpPr/>
+            <p:nvPr/>
+          </p:nvSpPr>
+          <p:spPr>
+            <a:xfrm>
+              <a:off x="4648200" y="3450335"/>
+              <a:ext cx="1447800" cy="1350264"/>
+            </a:xfrm>
+            <a:custGeom>
+              <a:avLst/>
+              <a:gdLst>
+                <a:gd name="connsiteX0" fmla="*/ 0 w 1447800"/>
+                <a:gd name="connsiteY0" fmla="*/ 713232 h 1350264"/>
+                <a:gd name="connsiteX1" fmla="*/ 1447800 w 1447800"/>
+                <a:gd name="connsiteY1" fmla="*/ 1350264 h 1350264"/>
+                <a:gd name="connsiteX2" fmla="*/ 1447800 w 1447800"/>
+                <a:gd name="connsiteY2" fmla="*/ 435864 h 1350264"/>
+                <a:gd name="connsiteX3" fmla="*/ 457200 w 1447800"/>
+                <a:gd name="connsiteY3" fmla="*/ 0 h 1350264"/>
+              </a:gdLst>
+              <a:ahLst/>
+              <a:cxnLst>
+                <a:cxn ang="0">
+                  <a:pos x="connsiteX0" y="connsiteY0"/>
+                </a:cxn>
+                <a:cxn ang="0">
+                  <a:pos x="connsiteX1" y="connsiteY1"/>
+                </a:cxn>
+                <a:cxn ang="0">
+                  <a:pos x="connsiteX2" y="connsiteY2"/>
+                </a:cxn>
+                <a:cxn ang="0">
+                  <a:pos x="connsiteX3" y="connsiteY3"/>
+                </a:cxn>
+              </a:cxnLst>
+              <a:rect l="l" t="t" r="r" b="b"/>
+              <a:pathLst>
+                <a:path w="1447800" h="1350264">
+                  <a:moveTo>
+                    <a:pt x="0" y="713232"/>
+                  </a:moveTo>
+                  <a:lnTo>
+                    <a:pt x="1447800" y="1350264"/>
+                  </a:lnTo>
+                  <a:lnTo>
+                    <a:pt x="1447800" y="435864"/>
+                  </a:lnTo>
+                  <a:lnTo>
+                    <a:pt x="457200" y="0"/>
+                  </a:lnTo>
+                  <a:close/>
+                </a:path>
+              </a:pathLst>
+            </a:custGeom>
+            <a:solidFill>
+              <a:schemeClr val="accent4"/>
+            </a:solidFill>
+            <a:ln w="76200" cap="flat">
+              <a:noFill/>
+              <a:prstDash val="solid"/>
+              <a:miter/>
+            </a:ln>
+          </p:spPr>
+          <p:txBody>
+            <a:bodyPr rtlCol="0" anchor="ctr"/>
+            <a:lstStyle/>
+            <a:p>
+              <a:endParaRPr lang="zh-TW" altLang="en-US"/>
+            </a:p>
+          </p:txBody>
+        </p:sp>
+        <p:sp>
+          <p:nvSpPr>
+            <p:cNvPr id="23" name="Freeform: Shape 22">
+              <a:extLst>
+                <a:ext uri="{FF2B5EF4-FFF2-40B4-BE49-F238E27FC236}">
+                  <a16:creationId xmlns:a16="http://schemas.microsoft.com/office/drawing/2014/main" id="{C2F78A1D-01FC-486C-B4C8-28461667ED96}"/>
+                </a:ext>
+              </a:extLst>
+            </p:cNvPr>
+            <p:cNvSpPr/>
+            <p:nvPr/>
+          </p:nvSpPr>
+          <p:spPr>
+            <a:xfrm>
+              <a:off x="4191000" y="4163567"/>
+              <a:ext cx="1905000" cy="1551432"/>
+            </a:xfrm>
+            <a:custGeom>
+              <a:avLst/>
+              <a:gdLst>
+                <a:gd name="connsiteX0" fmla="*/ 1905000 w 1905000"/>
+                <a:gd name="connsiteY0" fmla="*/ 637032 h 1551432"/>
+                <a:gd name="connsiteX1" fmla="*/ 457200 w 1905000"/>
+                <a:gd name="connsiteY1" fmla="*/ 0 h 1551432"/>
+                <a:gd name="connsiteX2" fmla="*/ 0 w 1905000"/>
+                <a:gd name="connsiteY2" fmla="*/ 713232 h 1551432"/>
+                <a:gd name="connsiteX3" fmla="*/ 1905000 w 1905000"/>
+                <a:gd name="connsiteY3" fmla="*/ 1551432 h 1551432"/>
+              </a:gdLst>
+              <a:ahLst/>
+              <a:cxnLst>
+                <a:cxn ang="0">
+                  <a:pos x="connsiteX0" y="connsiteY0"/>
+                </a:cxn>
+                <a:cxn ang="0">
+                  <a:pos x="connsiteX1" y="connsiteY1"/>
+                </a:cxn>
+                <a:cxn ang="0">
+                  <a:pos x="connsiteX2" y="connsiteY2"/>
+                </a:cxn>
+                <a:cxn ang="0">
+                  <a:pos x="connsiteX3" y="connsiteY3"/>
+                </a:cxn>
+              </a:cxnLst>
+              <a:rect l="l" t="t" r="r" b="b"/>
+              <a:pathLst>
+                <a:path w="1905000" h="1551432">
+                  <a:moveTo>
+                    <a:pt x="1905000" y="637032"/>
+                  </a:moveTo>
+                  <a:lnTo>
+                    <a:pt x="457200" y="0"/>
+                  </a:lnTo>
+                  <a:lnTo>
+                    <a:pt x="0" y="713232"/>
+                  </a:lnTo>
+                  <a:lnTo>
+                    <a:pt x="1905000" y="1551432"/>
+                  </a:lnTo>
+                  <a:close/>
+                </a:path>
+              </a:pathLst>
+            </a:custGeom>
+            <a:solidFill>
+              <a:schemeClr val="accent5"/>
+            </a:solidFill>
+            <a:ln w="76200" cap="flat">
+              <a:noFill/>
+              <a:prstDash val="solid"/>
+              <a:miter/>
+            </a:ln>
+          </p:spPr>
+          <p:txBody>
+            <a:bodyPr rtlCol="0" anchor="ctr"/>
+            <a:lstStyle/>
+            <a:p>
+              <a:endParaRPr lang="zh-TW" altLang="en-US"/>
+            </a:p>
+          </p:txBody>
+        </p:sp>
+        <p:sp>
+          <p:nvSpPr>
+            <p:cNvPr id="24" name="Freeform: Shape 23">
+              <a:extLst>
+                <a:ext uri="{FF2B5EF4-FFF2-40B4-BE49-F238E27FC236}">
+                  <a16:creationId xmlns:a16="http://schemas.microsoft.com/office/drawing/2014/main" id="{5E279F96-EA4B-4B6C-BD40-04AF9712FE3E}"/>
+                </a:ext>
+              </a:extLst>
+            </p:cNvPr>
+            <p:cNvSpPr/>
+            <p:nvPr/>
+          </p:nvSpPr>
+          <p:spPr>
+            <a:xfrm>
+              <a:off x="6096000" y="4163567"/>
+              <a:ext cx="1905000" cy="1551432"/>
+            </a:xfrm>
+            <a:custGeom>
+              <a:avLst/>
+              <a:gdLst>
+                <a:gd name="connsiteX0" fmla="*/ 0 w 1905000"/>
+                <a:gd name="connsiteY0" fmla="*/ 637032 h 1551432"/>
+                <a:gd name="connsiteX1" fmla="*/ 1447800 w 1905000"/>
+                <a:gd name="connsiteY1" fmla="*/ 0 h 1551432"/>
+                <a:gd name="connsiteX2" fmla="*/ 1905000 w 1905000"/>
+                <a:gd name="connsiteY2" fmla="*/ 713232 h 1551432"/>
+                <a:gd name="connsiteX3" fmla="*/ 0 w 1905000"/>
+                <a:gd name="connsiteY3" fmla="*/ 1551432 h 1551432"/>
+              </a:gdLst>
+              <a:ahLst/>
+              <a:cxnLst>
+                <a:cxn ang="0">
+                  <a:pos x="connsiteX0" y="connsiteY0"/>
+                </a:cxn>
+                <a:cxn ang="0">
+                  <a:pos x="connsiteX1" y="connsiteY1"/>
+                </a:cxn>
+                <a:cxn ang="0">
+                  <a:pos x="connsiteX2" y="connsiteY2"/>
+                </a:cxn>
+                <a:cxn ang="0">
+                  <a:pos x="connsiteX3" y="connsiteY3"/>
+                </a:cxn>
+              </a:cxnLst>
+              <a:rect l="l" t="t" r="r" b="b"/>
+              <a:pathLst>
+                <a:path w="1905000" h="1551432">
+                  <a:moveTo>
+                    <a:pt x="0" y="637032"/>
+                  </a:moveTo>
+                  <a:lnTo>
+                    <a:pt x="1447800" y="0"/>
+                  </a:lnTo>
+                  <a:lnTo>
+                    <a:pt x="1905000" y="713232"/>
+                  </a:lnTo>
+                  <a:lnTo>
+                    <a:pt x="0" y="1551432"/>
+                  </a:lnTo>
+                  <a:close/>
+                </a:path>
+              </a:pathLst>
+            </a:custGeom>
+            <a:solidFill>
+              <a:schemeClr val="accent5">
+                <a:lumMod val="75000"/>
+              </a:schemeClr>
+            </a:solidFill>
+            <a:ln w="76200" cap="flat">
+              <a:noFill/>
+              <a:prstDash val="solid"/>
+              <a:miter/>
+            </a:ln>
+          </p:spPr>
+          <p:txBody>
+            <a:bodyPr rtlCol="0" anchor="ctr"/>
+            <a:lstStyle/>
+            <a:p>
+              <a:endParaRPr lang="zh-TW" altLang="en-US"/>
+            </a:p>
+          </p:txBody>
+        </p:sp>
+      </p:grpSp>
     </p:spTree>
     <p:extLst>
       <p:ext uri="{BB962C8B-B14F-4D97-AF65-F5344CB8AC3E}">
         <p14:creationId xmlns:p14="http://schemas.microsoft.com/office/powerpoint/2010/main" val="404346154"/>
+      </p:ext>
+    </p:extLst>
+  </p:cSld>
+  <p:clrMapOvr>
+    <a:masterClrMapping/>
+  </p:clrMapOvr>
+</p:sld>
+</file>
+
+<file path=ppt/slides/slide2.xml><?xml version="1.0" encoding="utf-8"?>
+<p:sld xmlns:a="http://schemas.openxmlformats.org/drawingml/2006/main" xmlns:r="http://schemas.openxmlformats.org/officeDocument/2006/relationships" xmlns:p="http://schemas.openxmlformats.org/presentationml/2006/main">
+  <p:cSld>
+    <p:spTree>
+      <p:nvGrpSpPr>
+        <p:cNvPr id="1" name=""/>
+        <p:cNvGrpSpPr/>
+        <p:nvPr/>
+      </p:nvGrpSpPr>
+      <p:grpSpPr>
+        <a:xfrm>
+          <a:off x="0" y="0"/>
+          <a:ext cx="0" cy="0"/>
+          <a:chOff x="0" y="0"/>
+          <a:chExt cx="0" cy="0"/>
+        </a:xfrm>
+      </p:grpSpPr>
+      <p:grpSp>
+        <p:nvGrpSpPr>
+          <p:cNvPr id="13" name="Group 12">
+            <a:extLst>
+              <a:ext uri="{FF2B5EF4-FFF2-40B4-BE49-F238E27FC236}">
+                <a16:creationId xmlns:a16="http://schemas.microsoft.com/office/drawing/2014/main" id="{B7DEC639-9AD2-4AC9-891C-5BF7C5E16A1E}"/>
+              </a:ext>
+            </a:extLst>
+          </p:cNvPr>
+          <p:cNvGrpSpPr/>
+          <p:nvPr/>
+        </p:nvGrpSpPr>
+        <p:grpSpPr>
+          <a:xfrm>
+            <a:off x="0" y="381000"/>
+            <a:ext cx="12192000" cy="6096000"/>
+            <a:chOff x="0" y="381000"/>
+            <a:chExt cx="12192000" cy="6096000"/>
+          </a:xfrm>
+        </p:grpSpPr>
+        <p:sp>
+          <p:nvSpPr>
+            <p:cNvPr id="11" name="Rectangle 10">
+              <a:extLst>
+                <a:ext uri="{FF2B5EF4-FFF2-40B4-BE49-F238E27FC236}">
+                  <a16:creationId xmlns:a16="http://schemas.microsoft.com/office/drawing/2014/main" id="{3D6948DD-C36D-42D9-9E3D-005AC496390A}"/>
+                </a:ext>
+              </a:extLst>
+            </p:cNvPr>
+            <p:cNvSpPr/>
+            <p:nvPr/>
+          </p:nvSpPr>
+          <p:spPr>
+            <a:xfrm>
+              <a:off x="0" y="381000"/>
+              <a:ext cx="12192000" cy="6096000"/>
+            </a:xfrm>
+            <a:prstGeom prst="rect">
+              <a:avLst/>
+            </a:prstGeom>
+            <a:solidFill>
+              <a:schemeClr val="accent5">
+                <a:lumMod val="40000"/>
+                <a:lumOff val="60000"/>
+              </a:schemeClr>
+            </a:solidFill>
+            <a:ln>
+              <a:noFill/>
+            </a:ln>
+          </p:spPr>
+          <p:style>
+            <a:lnRef idx="2">
+              <a:schemeClr val="accent1">
+                <a:shade val="50000"/>
+              </a:schemeClr>
+            </a:lnRef>
+            <a:fillRef idx="1">
+              <a:schemeClr val="accent1"/>
+            </a:fillRef>
+            <a:effectRef idx="0">
+              <a:schemeClr val="accent1"/>
+            </a:effectRef>
+            <a:fontRef idx="minor">
+              <a:schemeClr val="lt1"/>
+            </a:fontRef>
+          </p:style>
+          <p:txBody>
+            <a:bodyPr rtlCol="0" anchor="ctr"/>
+            <a:lstStyle/>
+            <a:p>
+              <a:pPr algn="ctr"/>
+              <a:endParaRPr lang="zh-TW" altLang="en-US"/>
+            </a:p>
+          </p:txBody>
+        </p:sp>
+        <p:grpSp>
+          <p:nvGrpSpPr>
+            <p:cNvPr id="4" name="Group 3">
+              <a:extLst>
+                <a:ext uri="{FF2B5EF4-FFF2-40B4-BE49-F238E27FC236}">
+                  <a16:creationId xmlns:a16="http://schemas.microsoft.com/office/drawing/2014/main" id="{39B643E1-CFB6-463F-B15A-E3058D4C46C1}"/>
+                </a:ext>
+              </a:extLst>
+            </p:cNvPr>
+            <p:cNvGrpSpPr/>
+            <p:nvPr/>
+          </p:nvGrpSpPr>
+          <p:grpSpPr>
+            <a:xfrm>
+              <a:off x="4184176" y="1659623"/>
+              <a:ext cx="3810000" cy="2324101"/>
+              <a:chOff x="4191000" y="1905000"/>
+              <a:chExt cx="3810000" cy="3809999"/>
+            </a:xfrm>
+          </p:grpSpPr>
+          <p:sp>
+            <p:nvSpPr>
+              <p:cNvPr id="5" name="Freeform: Shape 4">
+                <a:extLst>
+                  <a:ext uri="{FF2B5EF4-FFF2-40B4-BE49-F238E27FC236}">
+                    <a16:creationId xmlns:a16="http://schemas.microsoft.com/office/drawing/2014/main" id="{7CC70AEF-0E7A-4614-AAD6-5BFF7B707C43}"/>
+                  </a:ext>
+                </a:extLst>
+              </p:cNvPr>
+              <p:cNvSpPr/>
+              <p:nvPr/>
+            </p:nvSpPr>
+            <p:spPr>
+              <a:xfrm>
+                <a:off x="6096000" y="1905000"/>
+                <a:ext cx="990600" cy="1981200"/>
+              </a:xfrm>
+              <a:custGeom>
+                <a:avLst/>
+                <a:gdLst>
+                  <a:gd name="connsiteX0" fmla="*/ 990600 w 990600"/>
+                  <a:gd name="connsiteY0" fmla="*/ 1545336 h 1981200"/>
+                  <a:gd name="connsiteX1" fmla="*/ 0 w 990600"/>
+                  <a:gd name="connsiteY1" fmla="*/ 1981200 h 1981200"/>
+                  <a:gd name="connsiteX2" fmla="*/ 0 w 990600"/>
+                  <a:gd name="connsiteY2" fmla="*/ 0 h 1981200"/>
+                </a:gdLst>
+                <a:ahLst/>
+                <a:cxnLst>
+                  <a:cxn ang="0">
+                    <a:pos x="connsiteX0" y="connsiteY0"/>
+                  </a:cxn>
+                  <a:cxn ang="0">
+                    <a:pos x="connsiteX1" y="connsiteY1"/>
+                  </a:cxn>
+                  <a:cxn ang="0">
+                    <a:pos x="connsiteX2" y="connsiteY2"/>
+                  </a:cxn>
+                </a:cxnLst>
+                <a:rect l="l" t="t" r="r" b="b"/>
+                <a:pathLst>
+                  <a:path w="990600" h="1981200">
+                    <a:moveTo>
+                      <a:pt x="990600" y="1545336"/>
+                    </a:moveTo>
+                    <a:lnTo>
+                      <a:pt x="0" y="1981200"/>
+                    </a:lnTo>
+                    <a:lnTo>
+                      <a:pt x="0" y="0"/>
+                    </a:lnTo>
+                    <a:close/>
+                  </a:path>
+                </a:pathLst>
+              </a:custGeom>
+              <a:solidFill>
+                <a:schemeClr val="accent2">
+                  <a:lumMod val="75000"/>
+                </a:schemeClr>
+              </a:solidFill>
+              <a:ln w="76200" cap="flat">
+                <a:noFill/>
+                <a:prstDash val="solid"/>
+                <a:miter/>
+              </a:ln>
+            </p:spPr>
+            <p:txBody>
+              <a:bodyPr rtlCol="0" anchor="ctr"/>
+              <a:lstStyle/>
+              <a:p>
+                <a:endParaRPr lang="zh-TW" altLang="en-US"/>
+              </a:p>
+            </p:txBody>
+          </p:sp>
+          <p:sp>
+            <p:nvSpPr>
+              <p:cNvPr id="6" name="Freeform: Shape 5">
+                <a:extLst>
+                  <a:ext uri="{FF2B5EF4-FFF2-40B4-BE49-F238E27FC236}">
+                    <a16:creationId xmlns:a16="http://schemas.microsoft.com/office/drawing/2014/main" id="{CBD33A7C-C926-47B2-82FE-237901AE73B2}"/>
+                  </a:ext>
+                </a:extLst>
+              </p:cNvPr>
+              <p:cNvSpPr/>
+              <p:nvPr/>
+            </p:nvSpPr>
+            <p:spPr>
+              <a:xfrm>
+                <a:off x="5105400" y="1905000"/>
+                <a:ext cx="990600" cy="1981200"/>
+              </a:xfrm>
+              <a:custGeom>
+                <a:avLst/>
+                <a:gdLst>
+                  <a:gd name="connsiteX0" fmla="*/ 0 w 990600"/>
+                  <a:gd name="connsiteY0" fmla="*/ 1545336 h 1981200"/>
+                  <a:gd name="connsiteX1" fmla="*/ 990600 w 990600"/>
+                  <a:gd name="connsiteY1" fmla="*/ 1981200 h 1981200"/>
+                  <a:gd name="connsiteX2" fmla="*/ 990600 w 990600"/>
+                  <a:gd name="connsiteY2" fmla="*/ 0 h 1981200"/>
+                </a:gdLst>
+                <a:ahLst/>
+                <a:cxnLst>
+                  <a:cxn ang="0">
+                    <a:pos x="connsiteX0" y="connsiteY0"/>
+                  </a:cxn>
+                  <a:cxn ang="0">
+                    <a:pos x="connsiteX1" y="connsiteY1"/>
+                  </a:cxn>
+                  <a:cxn ang="0">
+                    <a:pos x="connsiteX2" y="connsiteY2"/>
+                  </a:cxn>
+                </a:cxnLst>
+                <a:rect l="l" t="t" r="r" b="b"/>
+                <a:pathLst>
+                  <a:path w="990600" h="1981200">
+                    <a:moveTo>
+                      <a:pt x="0" y="1545336"/>
+                    </a:moveTo>
+                    <a:lnTo>
+                      <a:pt x="990600" y="1981200"/>
+                    </a:lnTo>
+                    <a:lnTo>
+                      <a:pt x="990600" y="0"/>
+                    </a:lnTo>
+                    <a:close/>
+                  </a:path>
+                </a:pathLst>
+              </a:custGeom>
+              <a:solidFill>
+                <a:schemeClr val="accent3"/>
+              </a:solidFill>
+              <a:ln w="76200" cap="flat">
+                <a:noFill/>
+                <a:prstDash val="solid"/>
+                <a:miter/>
+              </a:ln>
+            </p:spPr>
+            <p:txBody>
+              <a:bodyPr rtlCol="0" anchor="ctr"/>
+              <a:lstStyle/>
+              <a:p>
+                <a:endParaRPr lang="zh-TW" altLang="en-US"/>
+              </a:p>
+            </p:txBody>
+          </p:sp>
+          <p:sp>
+            <p:nvSpPr>
+              <p:cNvPr id="7" name="Freeform: Shape 6">
+                <a:extLst>
+                  <a:ext uri="{FF2B5EF4-FFF2-40B4-BE49-F238E27FC236}">
+                    <a16:creationId xmlns:a16="http://schemas.microsoft.com/office/drawing/2014/main" id="{0A50DA26-5A2F-4A45-BE96-AE71D64E5AC3}"/>
+                  </a:ext>
+                </a:extLst>
+              </p:cNvPr>
+              <p:cNvSpPr/>
+              <p:nvPr/>
+            </p:nvSpPr>
+            <p:spPr>
+              <a:xfrm>
+                <a:off x="6096000" y="3450335"/>
+                <a:ext cx="1447800" cy="1350264"/>
+              </a:xfrm>
+              <a:custGeom>
+                <a:avLst/>
+                <a:gdLst>
+                  <a:gd name="connsiteX0" fmla="*/ 1447800 w 1447800"/>
+                  <a:gd name="connsiteY0" fmla="*/ 713232 h 1350264"/>
+                  <a:gd name="connsiteX1" fmla="*/ 0 w 1447800"/>
+                  <a:gd name="connsiteY1" fmla="*/ 1350264 h 1350264"/>
+                  <a:gd name="connsiteX2" fmla="*/ 0 w 1447800"/>
+                  <a:gd name="connsiteY2" fmla="*/ 435864 h 1350264"/>
+                  <a:gd name="connsiteX3" fmla="*/ 990600 w 1447800"/>
+                  <a:gd name="connsiteY3" fmla="*/ 0 h 1350264"/>
+                </a:gdLst>
+                <a:ahLst/>
+                <a:cxnLst>
+                  <a:cxn ang="0">
+                    <a:pos x="connsiteX0" y="connsiteY0"/>
+                  </a:cxn>
+                  <a:cxn ang="0">
+                    <a:pos x="connsiteX1" y="connsiteY1"/>
+                  </a:cxn>
+                  <a:cxn ang="0">
+                    <a:pos x="connsiteX2" y="connsiteY2"/>
+                  </a:cxn>
+                  <a:cxn ang="0">
+                    <a:pos x="connsiteX3" y="connsiteY3"/>
+                  </a:cxn>
+                </a:cxnLst>
+                <a:rect l="l" t="t" r="r" b="b"/>
+                <a:pathLst>
+                  <a:path w="1447800" h="1350264">
+                    <a:moveTo>
+                      <a:pt x="1447800" y="713232"/>
+                    </a:moveTo>
+                    <a:lnTo>
+                      <a:pt x="0" y="1350264"/>
+                    </a:lnTo>
+                    <a:lnTo>
+                      <a:pt x="0" y="435864"/>
+                    </a:lnTo>
+                    <a:lnTo>
+                      <a:pt x="990600" y="0"/>
+                    </a:lnTo>
+                    <a:close/>
+                  </a:path>
+                </a:pathLst>
+              </a:custGeom>
+              <a:solidFill>
+                <a:schemeClr val="accent4">
+                  <a:lumMod val="75000"/>
+                </a:schemeClr>
+              </a:solidFill>
+              <a:ln w="76200" cap="flat">
+                <a:noFill/>
+                <a:prstDash val="solid"/>
+                <a:miter/>
+              </a:ln>
+            </p:spPr>
+            <p:txBody>
+              <a:bodyPr rtlCol="0" anchor="ctr"/>
+              <a:lstStyle/>
+              <a:p>
+                <a:endParaRPr lang="zh-TW" altLang="en-US"/>
+              </a:p>
+            </p:txBody>
+          </p:sp>
+          <p:sp>
+            <p:nvSpPr>
+              <p:cNvPr id="8" name="Freeform: Shape 7">
+                <a:extLst>
+                  <a:ext uri="{FF2B5EF4-FFF2-40B4-BE49-F238E27FC236}">
+                    <a16:creationId xmlns:a16="http://schemas.microsoft.com/office/drawing/2014/main" id="{4375AFB0-5324-4CD1-A26E-8E71857B2EBF}"/>
+                  </a:ext>
+                </a:extLst>
+              </p:cNvPr>
+              <p:cNvSpPr/>
+              <p:nvPr/>
+            </p:nvSpPr>
+            <p:spPr>
+              <a:xfrm>
+                <a:off x="4648200" y="3450335"/>
+                <a:ext cx="1447800" cy="1350264"/>
+              </a:xfrm>
+              <a:custGeom>
+                <a:avLst/>
+                <a:gdLst>
+                  <a:gd name="connsiteX0" fmla="*/ 0 w 1447800"/>
+                  <a:gd name="connsiteY0" fmla="*/ 713232 h 1350264"/>
+                  <a:gd name="connsiteX1" fmla="*/ 1447800 w 1447800"/>
+                  <a:gd name="connsiteY1" fmla="*/ 1350264 h 1350264"/>
+                  <a:gd name="connsiteX2" fmla="*/ 1447800 w 1447800"/>
+                  <a:gd name="connsiteY2" fmla="*/ 435864 h 1350264"/>
+                  <a:gd name="connsiteX3" fmla="*/ 457200 w 1447800"/>
+                  <a:gd name="connsiteY3" fmla="*/ 0 h 1350264"/>
+                </a:gdLst>
+                <a:ahLst/>
+                <a:cxnLst>
+                  <a:cxn ang="0">
+                    <a:pos x="connsiteX0" y="connsiteY0"/>
+                  </a:cxn>
+                  <a:cxn ang="0">
+                    <a:pos x="connsiteX1" y="connsiteY1"/>
+                  </a:cxn>
+                  <a:cxn ang="0">
+                    <a:pos x="connsiteX2" y="connsiteY2"/>
+                  </a:cxn>
+                  <a:cxn ang="0">
+                    <a:pos x="connsiteX3" y="connsiteY3"/>
+                  </a:cxn>
+                </a:cxnLst>
+                <a:rect l="l" t="t" r="r" b="b"/>
+                <a:pathLst>
+                  <a:path w="1447800" h="1350264">
+                    <a:moveTo>
+                      <a:pt x="0" y="713232"/>
+                    </a:moveTo>
+                    <a:lnTo>
+                      <a:pt x="1447800" y="1350264"/>
+                    </a:lnTo>
+                    <a:lnTo>
+                      <a:pt x="1447800" y="435864"/>
+                    </a:lnTo>
+                    <a:lnTo>
+                      <a:pt x="457200" y="0"/>
+                    </a:lnTo>
+                    <a:close/>
+                  </a:path>
+                </a:pathLst>
+              </a:custGeom>
+              <a:solidFill>
+                <a:schemeClr val="accent4"/>
+              </a:solidFill>
+              <a:ln w="76200" cap="flat">
+                <a:noFill/>
+                <a:prstDash val="solid"/>
+                <a:miter/>
+              </a:ln>
+            </p:spPr>
+            <p:txBody>
+              <a:bodyPr rtlCol="0" anchor="ctr"/>
+              <a:lstStyle/>
+              <a:p>
+                <a:endParaRPr lang="zh-TW" altLang="en-US"/>
+              </a:p>
+            </p:txBody>
+          </p:sp>
+          <p:sp>
+            <p:nvSpPr>
+              <p:cNvPr id="9" name="Freeform: Shape 8">
+                <a:extLst>
+                  <a:ext uri="{FF2B5EF4-FFF2-40B4-BE49-F238E27FC236}">
+                    <a16:creationId xmlns:a16="http://schemas.microsoft.com/office/drawing/2014/main" id="{36F2E83E-5EF5-4B21-8259-4C9EFC8BB23F}"/>
+                  </a:ext>
+                </a:extLst>
+              </p:cNvPr>
+              <p:cNvSpPr/>
+              <p:nvPr/>
+            </p:nvSpPr>
+            <p:spPr>
+              <a:xfrm>
+                <a:off x="4191000" y="4163567"/>
+                <a:ext cx="1905000" cy="1551432"/>
+              </a:xfrm>
+              <a:custGeom>
+                <a:avLst/>
+                <a:gdLst>
+                  <a:gd name="connsiteX0" fmla="*/ 1905000 w 1905000"/>
+                  <a:gd name="connsiteY0" fmla="*/ 637032 h 1551432"/>
+                  <a:gd name="connsiteX1" fmla="*/ 457200 w 1905000"/>
+                  <a:gd name="connsiteY1" fmla="*/ 0 h 1551432"/>
+                  <a:gd name="connsiteX2" fmla="*/ 0 w 1905000"/>
+                  <a:gd name="connsiteY2" fmla="*/ 713232 h 1551432"/>
+                  <a:gd name="connsiteX3" fmla="*/ 1905000 w 1905000"/>
+                  <a:gd name="connsiteY3" fmla="*/ 1551432 h 1551432"/>
+                </a:gdLst>
+                <a:ahLst/>
+                <a:cxnLst>
+                  <a:cxn ang="0">
+                    <a:pos x="connsiteX0" y="connsiteY0"/>
+                  </a:cxn>
+                  <a:cxn ang="0">
+                    <a:pos x="connsiteX1" y="connsiteY1"/>
+                  </a:cxn>
+                  <a:cxn ang="0">
+                    <a:pos x="connsiteX2" y="connsiteY2"/>
+                  </a:cxn>
+                  <a:cxn ang="0">
+                    <a:pos x="connsiteX3" y="connsiteY3"/>
+                  </a:cxn>
+                </a:cxnLst>
+                <a:rect l="l" t="t" r="r" b="b"/>
+                <a:pathLst>
+                  <a:path w="1905000" h="1551432">
+                    <a:moveTo>
+                      <a:pt x="1905000" y="637032"/>
+                    </a:moveTo>
+                    <a:lnTo>
+                      <a:pt x="457200" y="0"/>
+                    </a:lnTo>
+                    <a:lnTo>
+                      <a:pt x="0" y="713232"/>
+                    </a:lnTo>
+                    <a:lnTo>
+                      <a:pt x="1905000" y="1551432"/>
+                    </a:lnTo>
+                    <a:close/>
+                  </a:path>
+                </a:pathLst>
+              </a:custGeom>
+              <a:solidFill>
+                <a:schemeClr val="accent5"/>
+              </a:solidFill>
+              <a:ln w="76200" cap="flat">
+                <a:noFill/>
+                <a:prstDash val="solid"/>
+                <a:miter/>
+              </a:ln>
+            </p:spPr>
+            <p:txBody>
+              <a:bodyPr rtlCol="0" anchor="ctr"/>
+              <a:lstStyle/>
+              <a:p>
+                <a:endParaRPr lang="zh-TW" altLang="en-US"/>
+              </a:p>
+            </p:txBody>
+          </p:sp>
+          <p:sp>
+            <p:nvSpPr>
+              <p:cNvPr id="10" name="Freeform: Shape 9">
+                <a:extLst>
+                  <a:ext uri="{FF2B5EF4-FFF2-40B4-BE49-F238E27FC236}">
+                    <a16:creationId xmlns:a16="http://schemas.microsoft.com/office/drawing/2014/main" id="{74192C19-4B25-4E8E-BE0C-0079C8D03937}"/>
+                  </a:ext>
+                </a:extLst>
+              </p:cNvPr>
+              <p:cNvSpPr/>
+              <p:nvPr/>
+            </p:nvSpPr>
+            <p:spPr>
+              <a:xfrm>
+                <a:off x="6096000" y="4163567"/>
+                <a:ext cx="1905000" cy="1551432"/>
+              </a:xfrm>
+              <a:custGeom>
+                <a:avLst/>
+                <a:gdLst>
+                  <a:gd name="connsiteX0" fmla="*/ 0 w 1905000"/>
+                  <a:gd name="connsiteY0" fmla="*/ 637032 h 1551432"/>
+                  <a:gd name="connsiteX1" fmla="*/ 1447800 w 1905000"/>
+                  <a:gd name="connsiteY1" fmla="*/ 0 h 1551432"/>
+                  <a:gd name="connsiteX2" fmla="*/ 1905000 w 1905000"/>
+                  <a:gd name="connsiteY2" fmla="*/ 713232 h 1551432"/>
+                  <a:gd name="connsiteX3" fmla="*/ 0 w 1905000"/>
+                  <a:gd name="connsiteY3" fmla="*/ 1551432 h 1551432"/>
+                </a:gdLst>
+                <a:ahLst/>
+                <a:cxnLst>
+                  <a:cxn ang="0">
+                    <a:pos x="connsiteX0" y="connsiteY0"/>
+                  </a:cxn>
+                  <a:cxn ang="0">
+                    <a:pos x="connsiteX1" y="connsiteY1"/>
+                  </a:cxn>
+                  <a:cxn ang="0">
+                    <a:pos x="connsiteX2" y="connsiteY2"/>
+                  </a:cxn>
+                  <a:cxn ang="0">
+                    <a:pos x="connsiteX3" y="connsiteY3"/>
+                  </a:cxn>
+                </a:cxnLst>
+                <a:rect l="l" t="t" r="r" b="b"/>
+                <a:pathLst>
+                  <a:path w="1905000" h="1551432">
+                    <a:moveTo>
+                      <a:pt x="0" y="637032"/>
+                    </a:moveTo>
+                    <a:lnTo>
+                      <a:pt x="1447800" y="0"/>
+                    </a:lnTo>
+                    <a:lnTo>
+                      <a:pt x="1905000" y="713232"/>
+                    </a:lnTo>
+                    <a:lnTo>
+                      <a:pt x="0" y="1551432"/>
+                    </a:lnTo>
+                    <a:close/>
+                  </a:path>
+                </a:pathLst>
+              </a:custGeom>
+              <a:solidFill>
+                <a:schemeClr val="accent5">
+                  <a:lumMod val="75000"/>
+                </a:schemeClr>
+              </a:solidFill>
+              <a:ln w="76200" cap="flat">
+                <a:noFill/>
+                <a:prstDash val="solid"/>
+                <a:miter/>
+              </a:ln>
+            </p:spPr>
+            <p:txBody>
+              <a:bodyPr rtlCol="0" anchor="ctr"/>
+              <a:lstStyle/>
+              <a:p>
+                <a:endParaRPr lang="zh-TW" altLang="en-US"/>
+              </a:p>
+            </p:txBody>
+          </p:sp>
+        </p:grpSp>
+        <p:sp>
+          <p:nvSpPr>
+            <p:cNvPr id="12" name="TextBox 11">
+              <a:extLst>
+                <a:ext uri="{FF2B5EF4-FFF2-40B4-BE49-F238E27FC236}">
+                  <a16:creationId xmlns:a16="http://schemas.microsoft.com/office/drawing/2014/main" id="{4519A98C-2B02-406C-AB4B-E62353179B14}"/>
+                </a:ext>
+              </a:extLst>
+            </p:cNvPr>
+            <p:cNvSpPr txBox="1"/>
+            <p:nvPr/>
+          </p:nvSpPr>
+          <p:spPr>
+            <a:xfrm>
+              <a:off x="4754126" y="4090590"/>
+              <a:ext cx="2683748" cy="923330"/>
+            </a:xfrm>
+            <a:prstGeom prst="rect">
+              <a:avLst/>
+            </a:prstGeom>
+            <a:noFill/>
+          </p:spPr>
+          <p:txBody>
+            <a:bodyPr wrap="none" rtlCol="0">
+              <a:spAutoFit/>
+            </a:bodyPr>
+            <a:lstStyle/>
+            <a:p>
+              <a:pPr algn="ctr"/>
+              <a:r>
+                <a:rPr lang="en-US" altLang="zh-TW" sz="5400" b="1" dirty="0" err="1">
+                  <a:solidFill>
+                    <a:schemeClr val="tx1">
+                      <a:lumMod val="75000"/>
+                      <a:lumOff val="25000"/>
+                    </a:schemeClr>
+                  </a:solidFill>
+                  <a:latin typeface="Verdana" panose="020B0604030504040204" pitchFamily="34" charset="0"/>
+                  <a:ea typeface="Verdana" panose="020B0604030504040204" pitchFamily="34" charset="0"/>
+                </a:rPr>
+                <a:t>pystru</a:t>
+              </a:r>
+              <a:endParaRPr lang="zh-TW" altLang="en-US" sz="5400" b="1" dirty="0">
+                <a:solidFill>
+                  <a:schemeClr val="tx1">
+                    <a:lumMod val="75000"/>
+                    <a:lumOff val="25000"/>
+                  </a:schemeClr>
+                </a:solidFill>
+                <a:latin typeface="Verdana" panose="020B0604030504040204" pitchFamily="34" charset="0"/>
+              </a:endParaRPr>
+            </a:p>
+          </p:txBody>
+        </p:sp>
+      </p:grpSp>
+    </p:spTree>
+    <p:extLst>
+      <p:ext uri="{BB962C8B-B14F-4D97-AF65-F5344CB8AC3E}">
+        <p14:creationId xmlns:p14="http://schemas.microsoft.com/office/powerpoint/2010/main" val="3122141341"/>
       </p:ext>
     </p:extLst>
   </p:cSld>

--- a/docs/static/design.pptx
+++ b/docs/static/design.pptx
@@ -4470,10 +4470,7 @@
               <a:avLst/>
             </a:prstGeom>
             <a:solidFill>
-              <a:schemeClr val="accent5">
-                <a:lumMod val="40000"/>
-                <a:lumOff val="60000"/>
-              </a:schemeClr>
+              <a:schemeClr val="bg1"/>
             </a:solidFill>
             <a:ln>
               <a:noFill/>
